--- a/vignesh naan mudhalvan project 2.pptx
+++ b/vignesh naan mudhalvan project 2.pptx
@@ -248,7 +248,7 @@
           <a:p>
             <a:fld id="{84B86612-B127-4CD0-BF15-66D49A7175F7}" type="datetimeFigureOut">
               <a:rPr lang="en-IN" smtClean="0"/>
-              <a:t>06-09-2024</a:t>
+              <a:t>10-09-2024</a:t>
             </a:fld>
             <a:endParaRPr lang="en-IN"/>
           </a:p>
@@ -650,7 +650,7 @@
           <a:noFill/>
           <a:extLst>
             <a:ext uri="{909E8E84-426E-40dd-AFC4-6F175D3DCCD1}">
-              <a14:hiddenFill xmlns:a14="http://schemas.microsoft.com/office/drawing/2010/main" xmlns="">
+              <a14:hiddenFill xmlns="" xmlns:a14="http://schemas.microsoft.com/office/drawing/2010/main">
                 <a:solidFill>
                   <a:srgbClr val="FFFFFF"/>
                 </a:solidFill>
@@ -710,7 +710,7 @@
             </a:ln>
             <a:extLst>
               <a:ext uri="{91240B29-F687-4f45-9708-019B960494DF}">
-                <a14:hiddenLine xmlns:a14="http://schemas.microsoft.com/office/drawing/2010/main" xmlns="" w="9525">
+                <a14:hiddenLine xmlns="" xmlns:a14="http://schemas.microsoft.com/office/drawing/2010/main" w="9525">
                   <a:solidFill>
                     <a:srgbClr val="000000"/>
                   </a:solidFill>
@@ -800,7 +800,7 @@
             </a:ln>
             <a:extLst>
               <a:ext uri="{91240B29-F687-4f45-9708-019B960494DF}">
-                <a14:hiddenLine xmlns:a14="http://schemas.microsoft.com/office/drawing/2010/main" xmlns="" w="9525">
+                <a14:hiddenLine xmlns="" xmlns:a14="http://schemas.microsoft.com/office/drawing/2010/main" w="9525">
                   <a:solidFill>
                     <a:srgbClr val="000000"/>
                   </a:solidFill>
@@ -890,7 +890,7 @@
             </a:ln>
             <a:extLst>
               <a:ext uri="{91240B29-F687-4f45-9708-019B960494DF}">
-                <a14:hiddenLine xmlns:a14="http://schemas.microsoft.com/office/drawing/2010/main" xmlns="" w="9525">
+                <a14:hiddenLine xmlns="" xmlns:a14="http://schemas.microsoft.com/office/drawing/2010/main" w="9525">
                   <a:solidFill>
                     <a:srgbClr val="000000"/>
                   </a:solidFill>
@@ -924,7 +924,7 @@
             </a:ln>
             <a:extLst>
               <a:ext uri="{91240B29-F687-4f45-9708-019B960494DF}">
-                <a14:hiddenLine xmlns:a14="http://schemas.microsoft.com/office/drawing/2010/main" xmlns="" w="9525">
+                <a14:hiddenLine xmlns="" xmlns:a14="http://schemas.microsoft.com/office/drawing/2010/main" w="9525">
                   <a:solidFill>
                     <a:srgbClr val="000000"/>
                   </a:solidFill>
@@ -1014,7 +1014,7 @@
             </a:ln>
             <a:extLst>
               <a:ext uri="{91240B29-F687-4f45-9708-019B960494DF}">
-                <a14:hiddenLine xmlns:a14="http://schemas.microsoft.com/office/drawing/2010/main" xmlns="" w="9525">
+                <a14:hiddenLine xmlns="" xmlns:a14="http://schemas.microsoft.com/office/drawing/2010/main" w="9525">
                   <a:solidFill>
                     <a:srgbClr val="000000"/>
                   </a:solidFill>
@@ -1076,7 +1076,7 @@
             </a:ln>
             <a:extLst>
               <a:ext uri="{91240B29-F687-4f45-9708-019B960494DF}">
-                <a14:hiddenLine xmlns:a14="http://schemas.microsoft.com/office/drawing/2010/main" xmlns="" w="9525">
+                <a14:hiddenLine xmlns="" xmlns:a14="http://schemas.microsoft.com/office/drawing/2010/main" w="9525">
                   <a:solidFill>
                     <a:srgbClr val="000000"/>
                   </a:solidFill>
@@ -1138,7 +1138,7 @@
             </a:ln>
             <a:extLst>
               <a:ext uri="{91240B29-F687-4f45-9708-019B960494DF}">
-                <a14:hiddenLine xmlns:a14="http://schemas.microsoft.com/office/drawing/2010/main" xmlns="" w="9525">
+                <a14:hiddenLine xmlns="" xmlns:a14="http://schemas.microsoft.com/office/drawing/2010/main" w="9525">
                   <a:solidFill>
                     <a:srgbClr val="000000"/>
                   </a:solidFill>
@@ -1228,7 +1228,7 @@
             </a:ln>
             <a:extLst>
               <a:ext uri="{91240B29-F687-4f45-9708-019B960494DF}">
-                <a14:hiddenLine xmlns:a14="http://schemas.microsoft.com/office/drawing/2010/main" xmlns="" w="9525">
+                <a14:hiddenLine xmlns="" xmlns:a14="http://schemas.microsoft.com/office/drawing/2010/main" w="9525">
                   <a:solidFill>
                     <a:srgbClr val="000000"/>
                   </a:solidFill>
@@ -1290,7 +1290,7 @@
             </a:ln>
             <a:extLst>
               <a:ext uri="{91240B29-F687-4f45-9708-019B960494DF}">
-                <a14:hiddenLine xmlns:a14="http://schemas.microsoft.com/office/drawing/2010/main" xmlns="" w="9525">
+                <a14:hiddenLine xmlns="" xmlns:a14="http://schemas.microsoft.com/office/drawing/2010/main" w="9525">
                   <a:solidFill>
                     <a:srgbClr val="000000"/>
                   </a:solidFill>
@@ -1352,7 +1352,7 @@
             </a:ln>
             <a:extLst>
               <a:ext uri="{91240B29-F687-4f45-9708-019B960494DF}">
-                <a14:hiddenLine xmlns:a14="http://schemas.microsoft.com/office/drawing/2010/main" xmlns="" w="9525">
+                <a14:hiddenLine xmlns="" xmlns:a14="http://schemas.microsoft.com/office/drawing/2010/main" w="9525">
                   <a:solidFill>
                     <a:srgbClr val="000000"/>
                   </a:solidFill>
@@ -1442,7 +1442,7 @@
             </a:ln>
             <a:extLst>
               <a:ext uri="{91240B29-F687-4f45-9708-019B960494DF}">
-                <a14:hiddenLine xmlns:a14="http://schemas.microsoft.com/office/drawing/2010/main" xmlns="" w="9525">
+                <a14:hiddenLine xmlns="" xmlns:a14="http://schemas.microsoft.com/office/drawing/2010/main" w="9525">
                   <a:solidFill>
                     <a:srgbClr val="000000"/>
                   </a:solidFill>
@@ -1532,7 +1532,7 @@
             </a:ln>
             <a:extLst>
               <a:ext uri="{91240B29-F687-4f45-9708-019B960494DF}">
-                <a14:hiddenLine xmlns:a14="http://schemas.microsoft.com/office/drawing/2010/main" xmlns="" w="9525">
+                <a14:hiddenLine xmlns="" xmlns:a14="http://schemas.microsoft.com/office/drawing/2010/main" w="9525">
                   <a:solidFill>
                     <a:srgbClr val="000000"/>
                   </a:solidFill>
@@ -1594,7 +1594,7 @@
             </a:ln>
             <a:extLst>
               <a:ext uri="{91240B29-F687-4f45-9708-019B960494DF}">
-                <a14:hiddenLine xmlns:a14="http://schemas.microsoft.com/office/drawing/2010/main" xmlns="" w="9525">
+                <a14:hiddenLine xmlns="" xmlns:a14="http://schemas.microsoft.com/office/drawing/2010/main" w="9525">
                   <a:solidFill>
                     <a:srgbClr val="000000"/>
                   </a:solidFill>
@@ -1704,7 +1704,7 @@
             </a:ln>
             <a:extLst>
               <a:ext uri="{91240B29-F687-4f45-9708-019B960494DF}">
-                <a14:hiddenLine xmlns:a14="http://schemas.microsoft.com/office/drawing/2010/main" xmlns="" w="9525">
+                <a14:hiddenLine xmlns="" xmlns:a14="http://schemas.microsoft.com/office/drawing/2010/main" w="9525">
                   <a:solidFill>
                     <a:srgbClr val="000000"/>
                   </a:solidFill>
@@ -1766,7 +1766,7 @@
             </a:ln>
             <a:extLst>
               <a:ext uri="{91240B29-F687-4f45-9708-019B960494DF}">
-                <a14:hiddenLine xmlns:a14="http://schemas.microsoft.com/office/drawing/2010/main" xmlns="" w="9525">
+                <a14:hiddenLine xmlns="" xmlns:a14="http://schemas.microsoft.com/office/drawing/2010/main" w="9525">
                   <a:solidFill>
                     <a:srgbClr val="000000"/>
                   </a:solidFill>
@@ -1856,7 +1856,7 @@
             </a:ln>
             <a:extLst>
               <a:ext uri="{91240B29-F687-4f45-9708-019B960494DF}">
-                <a14:hiddenLine xmlns:a14="http://schemas.microsoft.com/office/drawing/2010/main" xmlns="" w="9525">
+                <a14:hiddenLine xmlns="" xmlns:a14="http://schemas.microsoft.com/office/drawing/2010/main" w="9525">
                   <a:solidFill>
                     <a:srgbClr val="000000"/>
                   </a:solidFill>
@@ -1946,7 +1946,7 @@
             </a:ln>
             <a:extLst>
               <a:ext uri="{91240B29-F687-4f45-9708-019B960494DF}">
-                <a14:hiddenLine xmlns:a14="http://schemas.microsoft.com/office/drawing/2010/main" xmlns="" w="9525">
+                <a14:hiddenLine xmlns="" xmlns:a14="http://schemas.microsoft.com/office/drawing/2010/main" w="9525">
                   <a:solidFill>
                     <a:srgbClr val="000000"/>
                   </a:solidFill>
@@ -2008,7 +2008,7 @@
             </a:ln>
             <a:extLst>
               <a:ext uri="{91240B29-F687-4f45-9708-019B960494DF}">
-                <a14:hiddenLine xmlns:a14="http://schemas.microsoft.com/office/drawing/2010/main" xmlns="" w="9525">
+                <a14:hiddenLine xmlns="" xmlns:a14="http://schemas.microsoft.com/office/drawing/2010/main" w="9525">
                   <a:solidFill>
                     <a:srgbClr val="000000"/>
                   </a:solidFill>
@@ -2098,7 +2098,7 @@
             </a:ln>
             <a:extLst>
               <a:ext uri="{91240B29-F687-4f45-9708-019B960494DF}">
-                <a14:hiddenLine xmlns:a14="http://schemas.microsoft.com/office/drawing/2010/main" xmlns="" w="9525">
+                <a14:hiddenLine xmlns="" xmlns:a14="http://schemas.microsoft.com/office/drawing/2010/main" w="9525">
                   <a:solidFill>
                     <a:srgbClr val="000000"/>
                   </a:solidFill>
@@ -2188,7 +2188,7 @@
             </a:ln>
             <a:extLst>
               <a:ext uri="{91240B29-F687-4f45-9708-019B960494DF}">
-                <a14:hiddenLine xmlns:a14="http://schemas.microsoft.com/office/drawing/2010/main" xmlns="" w="9525">
+                <a14:hiddenLine xmlns="" xmlns:a14="http://schemas.microsoft.com/office/drawing/2010/main" w="9525">
                   <a:solidFill>
                     <a:srgbClr val="000000"/>
                   </a:solidFill>
@@ -2244,7 +2244,7 @@
             </a:ln>
             <a:extLst>
               <a:ext uri="{91240B29-F687-4f45-9708-019B960494DF}">
-                <a14:hiddenLine xmlns:a14="http://schemas.microsoft.com/office/drawing/2010/main" xmlns="" w="9525">
+                <a14:hiddenLine xmlns="" xmlns:a14="http://schemas.microsoft.com/office/drawing/2010/main" w="9525">
                   <a:solidFill>
                     <a:srgbClr val="000000"/>
                   </a:solidFill>
@@ -2334,7 +2334,7 @@
             </a:ln>
             <a:extLst>
               <a:ext uri="{91240B29-F687-4f45-9708-019B960494DF}">
-                <a14:hiddenLine xmlns:a14="http://schemas.microsoft.com/office/drawing/2010/main" xmlns="" w="9525">
+                <a14:hiddenLine xmlns="" xmlns:a14="http://schemas.microsoft.com/office/drawing/2010/main" w="9525">
                   <a:solidFill>
                     <a:srgbClr val="000000"/>
                   </a:solidFill>
@@ -2390,7 +2390,7 @@
             </a:ln>
             <a:extLst>
               <a:ext uri="{91240B29-F687-4f45-9708-019B960494DF}">
-                <a14:hiddenLine xmlns:a14="http://schemas.microsoft.com/office/drawing/2010/main" xmlns="" w="9525">
+                <a14:hiddenLine xmlns="" xmlns:a14="http://schemas.microsoft.com/office/drawing/2010/main" w="9525">
                   <a:solidFill>
                     <a:srgbClr val="000000"/>
                   </a:solidFill>
@@ -2480,7 +2480,7 @@
             </a:ln>
             <a:extLst>
               <a:ext uri="{91240B29-F687-4f45-9708-019B960494DF}">
-                <a14:hiddenLine xmlns:a14="http://schemas.microsoft.com/office/drawing/2010/main" xmlns="" w="9525">
+                <a14:hiddenLine xmlns="" xmlns:a14="http://schemas.microsoft.com/office/drawing/2010/main" w="9525">
                   <a:solidFill>
                     <a:srgbClr val="000000"/>
                   </a:solidFill>
@@ -2548,7 +2548,7 @@
             </a:ln>
             <a:extLst>
               <a:ext uri="{91240B29-F687-4f45-9708-019B960494DF}">
-                <a14:hiddenLine xmlns:a14="http://schemas.microsoft.com/office/drawing/2010/main" xmlns="" w="9525">
+                <a14:hiddenLine xmlns="" xmlns:a14="http://schemas.microsoft.com/office/drawing/2010/main" w="9525">
                   <a:solidFill>
                     <a:srgbClr val="000000"/>
                   </a:solidFill>
@@ -2638,7 +2638,7 @@
             </a:ln>
             <a:extLst>
               <a:ext uri="{91240B29-F687-4f45-9708-019B960494DF}">
-                <a14:hiddenLine xmlns:a14="http://schemas.microsoft.com/office/drawing/2010/main" xmlns="" w="9525">
+                <a14:hiddenLine xmlns="" xmlns:a14="http://schemas.microsoft.com/office/drawing/2010/main" w="9525">
                   <a:solidFill>
                     <a:srgbClr val="000000"/>
                   </a:solidFill>
@@ -2706,7 +2706,7 @@
             </a:ln>
             <a:extLst>
               <a:ext uri="{91240B29-F687-4f45-9708-019B960494DF}">
-                <a14:hiddenLine xmlns:a14="http://schemas.microsoft.com/office/drawing/2010/main" xmlns="" w="9525">
+                <a14:hiddenLine xmlns="" xmlns:a14="http://schemas.microsoft.com/office/drawing/2010/main" w="9525">
                   <a:solidFill>
                     <a:srgbClr val="000000"/>
                   </a:solidFill>
@@ -2796,7 +2796,7 @@
             </a:ln>
             <a:extLst>
               <a:ext uri="{91240B29-F687-4f45-9708-019B960494DF}">
-                <a14:hiddenLine xmlns:a14="http://schemas.microsoft.com/office/drawing/2010/main" xmlns="" w="9525">
+                <a14:hiddenLine xmlns="" xmlns:a14="http://schemas.microsoft.com/office/drawing/2010/main" w="9525">
                   <a:solidFill>
                     <a:srgbClr val="000000"/>
                   </a:solidFill>
@@ -2830,7 +2830,7 @@
             </a:ln>
             <a:extLst>
               <a:ext uri="{91240B29-F687-4f45-9708-019B960494DF}">
-                <a14:hiddenLine xmlns:a14="http://schemas.microsoft.com/office/drawing/2010/main" xmlns="" w="9525">
+                <a14:hiddenLine xmlns="" xmlns:a14="http://schemas.microsoft.com/office/drawing/2010/main" w="9525">
                   <a:solidFill>
                     <a:srgbClr val="000000"/>
                   </a:solidFill>
@@ -2920,7 +2920,7 @@
             </a:ln>
             <a:extLst>
               <a:ext uri="{91240B29-F687-4f45-9708-019B960494DF}">
-                <a14:hiddenLine xmlns:a14="http://schemas.microsoft.com/office/drawing/2010/main" xmlns="" w="9525">
+                <a14:hiddenLine xmlns="" xmlns:a14="http://schemas.microsoft.com/office/drawing/2010/main" w="9525">
                   <a:solidFill>
                     <a:srgbClr val="000000"/>
                   </a:solidFill>
@@ -2982,7 +2982,7 @@
             </a:ln>
             <a:extLst>
               <a:ext uri="{91240B29-F687-4f45-9708-019B960494DF}">
-                <a14:hiddenLine xmlns:a14="http://schemas.microsoft.com/office/drawing/2010/main" xmlns="" w="9525">
+                <a14:hiddenLine xmlns="" xmlns:a14="http://schemas.microsoft.com/office/drawing/2010/main" w="9525">
                   <a:solidFill>
                     <a:srgbClr val="000000"/>
                   </a:solidFill>
@@ -3044,7 +3044,7 @@
             </a:ln>
             <a:extLst>
               <a:ext uri="{91240B29-F687-4f45-9708-019B960494DF}">
-                <a14:hiddenLine xmlns:a14="http://schemas.microsoft.com/office/drawing/2010/main" xmlns="" w="9525">
+                <a14:hiddenLine xmlns="" xmlns:a14="http://schemas.microsoft.com/office/drawing/2010/main" w="9525">
                   <a:solidFill>
                     <a:srgbClr val="000000"/>
                   </a:solidFill>
@@ -3134,7 +3134,7 @@
             </a:ln>
             <a:extLst>
               <a:ext uri="{91240B29-F687-4f45-9708-019B960494DF}">
-                <a14:hiddenLine xmlns:a14="http://schemas.microsoft.com/office/drawing/2010/main" xmlns="" w="9525">
+                <a14:hiddenLine xmlns="" xmlns:a14="http://schemas.microsoft.com/office/drawing/2010/main" w="9525">
                   <a:solidFill>
                     <a:srgbClr val="000000"/>
                   </a:solidFill>
@@ -3202,7 +3202,7 @@
             </a:ln>
             <a:extLst>
               <a:ext uri="{91240B29-F687-4f45-9708-019B960494DF}">
-                <a14:hiddenLine xmlns:a14="http://schemas.microsoft.com/office/drawing/2010/main" xmlns="" w="9525">
+                <a14:hiddenLine xmlns="" xmlns:a14="http://schemas.microsoft.com/office/drawing/2010/main" w="9525">
                   <a:solidFill>
                     <a:srgbClr val="000000"/>
                   </a:solidFill>
@@ -3264,7 +3264,7 @@
             </a:ln>
             <a:extLst>
               <a:ext uri="{91240B29-F687-4f45-9708-019B960494DF}">
-                <a14:hiddenLine xmlns:a14="http://schemas.microsoft.com/office/drawing/2010/main" xmlns="" w="9525">
+                <a14:hiddenLine xmlns="" xmlns:a14="http://schemas.microsoft.com/office/drawing/2010/main" w="9525">
                   <a:solidFill>
                     <a:srgbClr val="000000"/>
                   </a:solidFill>
@@ -3354,7 +3354,7 @@
             </a:ln>
             <a:extLst>
               <a:ext uri="{91240B29-F687-4f45-9708-019B960494DF}">
-                <a14:hiddenLine xmlns:a14="http://schemas.microsoft.com/office/drawing/2010/main" xmlns="" w="9525">
+                <a14:hiddenLine xmlns="" xmlns:a14="http://schemas.microsoft.com/office/drawing/2010/main" w="9525">
                   <a:solidFill>
                     <a:srgbClr val="000000"/>
                   </a:solidFill>
@@ -3416,7 +3416,7 @@
             </a:ln>
             <a:extLst>
               <a:ext uri="{91240B29-F687-4f45-9708-019B960494DF}">
-                <a14:hiddenLine xmlns:a14="http://schemas.microsoft.com/office/drawing/2010/main" xmlns="" w="9525">
+                <a14:hiddenLine xmlns="" xmlns:a14="http://schemas.microsoft.com/office/drawing/2010/main" w="9525">
                   <a:solidFill>
                     <a:srgbClr val="000000"/>
                   </a:solidFill>
@@ -3506,7 +3506,7 @@
             </a:ln>
             <a:extLst>
               <a:ext uri="{91240B29-F687-4f45-9708-019B960494DF}">
-                <a14:hiddenLine xmlns:a14="http://schemas.microsoft.com/office/drawing/2010/main" xmlns="" w="9525">
+                <a14:hiddenLine xmlns="" xmlns:a14="http://schemas.microsoft.com/office/drawing/2010/main" w="9525">
                   <a:solidFill>
                     <a:srgbClr val="000000"/>
                   </a:solidFill>
@@ -3568,7 +3568,7 @@
             </a:ln>
             <a:extLst>
               <a:ext uri="{91240B29-F687-4f45-9708-019B960494DF}">
-                <a14:hiddenLine xmlns:a14="http://schemas.microsoft.com/office/drawing/2010/main" xmlns="" w="9525">
+                <a14:hiddenLine xmlns="" xmlns:a14="http://schemas.microsoft.com/office/drawing/2010/main" w="9525">
                   <a:solidFill>
                     <a:srgbClr val="000000"/>
                   </a:solidFill>
@@ -3658,7 +3658,7 @@
             </a:ln>
             <a:extLst>
               <a:ext uri="{91240B29-F687-4f45-9708-019B960494DF}">
-                <a14:hiddenLine xmlns:a14="http://schemas.microsoft.com/office/drawing/2010/main" xmlns="" w="9525">
+                <a14:hiddenLine xmlns="" xmlns:a14="http://schemas.microsoft.com/office/drawing/2010/main" w="9525">
                   <a:solidFill>
                     <a:srgbClr val="000000"/>
                   </a:solidFill>
@@ -3692,7 +3692,7 @@
             </a:ln>
             <a:extLst>
               <a:ext uri="{91240B29-F687-4f45-9708-019B960494DF}">
-                <a14:hiddenLine xmlns:a14="http://schemas.microsoft.com/office/drawing/2010/main" xmlns="" w="9525">
+                <a14:hiddenLine xmlns="" xmlns:a14="http://schemas.microsoft.com/office/drawing/2010/main" w="9525">
                   <a:solidFill>
                     <a:srgbClr val="000000"/>
                   </a:solidFill>
@@ -3757,7 +3757,7 @@
             </a:ln>
             <a:extLst>
               <a:ext uri="{91240B29-F687-4f45-9708-019B960494DF}">
-                <a14:hiddenLine xmlns:a14="http://schemas.microsoft.com/office/drawing/2010/main" xmlns="" w="9525">
+                <a14:hiddenLine xmlns="" xmlns:a14="http://schemas.microsoft.com/office/drawing/2010/main" w="9525">
                   <a:solidFill>
                     <a:srgbClr val="000000"/>
                   </a:solidFill>
@@ -3847,7 +3847,7 @@
             </a:ln>
             <a:extLst>
               <a:ext uri="{91240B29-F687-4f45-9708-019B960494DF}">
-                <a14:hiddenLine xmlns:a14="http://schemas.microsoft.com/office/drawing/2010/main" xmlns="" w="9525">
+                <a14:hiddenLine xmlns="" xmlns:a14="http://schemas.microsoft.com/office/drawing/2010/main" w="9525">
                   <a:solidFill>
                     <a:srgbClr val="000000"/>
                   </a:solidFill>
@@ -3909,7 +3909,7 @@
             </a:ln>
             <a:extLst>
               <a:ext uri="{91240B29-F687-4f45-9708-019B960494DF}">
-                <a14:hiddenLine xmlns:a14="http://schemas.microsoft.com/office/drawing/2010/main" xmlns="" w="9525">
+                <a14:hiddenLine xmlns="" xmlns:a14="http://schemas.microsoft.com/office/drawing/2010/main" w="9525">
                   <a:solidFill>
                     <a:srgbClr val="000000"/>
                   </a:solidFill>
@@ -3999,7 +3999,7 @@
             </a:ln>
             <a:extLst>
               <a:ext uri="{91240B29-F687-4f45-9708-019B960494DF}">
-                <a14:hiddenLine xmlns:a14="http://schemas.microsoft.com/office/drawing/2010/main" xmlns="" w="9525">
+                <a14:hiddenLine xmlns="" xmlns:a14="http://schemas.microsoft.com/office/drawing/2010/main" w="9525">
                   <a:solidFill>
                     <a:srgbClr val="000000"/>
                   </a:solidFill>
@@ -4089,7 +4089,7 @@
             </a:ln>
             <a:extLst>
               <a:ext uri="{91240B29-F687-4f45-9708-019B960494DF}">
-                <a14:hiddenLine xmlns:a14="http://schemas.microsoft.com/office/drawing/2010/main" xmlns="" w="9525">
+                <a14:hiddenLine xmlns="" xmlns:a14="http://schemas.microsoft.com/office/drawing/2010/main" w="9525">
                   <a:solidFill>
                     <a:srgbClr val="000000"/>
                   </a:solidFill>
@@ -4154,7 +4154,7 @@
             </a:ln>
             <a:extLst>
               <a:ext uri="{91240B29-F687-4f45-9708-019B960494DF}">
-                <a14:hiddenLine xmlns:a14="http://schemas.microsoft.com/office/drawing/2010/main" xmlns="" w="9525">
+                <a14:hiddenLine xmlns="" xmlns:a14="http://schemas.microsoft.com/office/drawing/2010/main" w="9525">
                   <a:solidFill>
                     <a:srgbClr val="000000"/>
                   </a:solidFill>
@@ -4216,7 +4216,7 @@
             </a:ln>
             <a:extLst>
               <a:ext uri="{91240B29-F687-4f45-9708-019B960494DF}">
-                <a14:hiddenLine xmlns:a14="http://schemas.microsoft.com/office/drawing/2010/main" xmlns="" w="9525">
+                <a14:hiddenLine xmlns="" xmlns:a14="http://schemas.microsoft.com/office/drawing/2010/main" w="9525">
                   <a:solidFill>
                     <a:srgbClr val="000000"/>
                   </a:solidFill>
@@ -4306,7 +4306,7 @@
             </a:ln>
             <a:extLst>
               <a:ext uri="{91240B29-F687-4f45-9708-019B960494DF}">
-                <a14:hiddenLine xmlns:a14="http://schemas.microsoft.com/office/drawing/2010/main" xmlns="" w="9525">
+                <a14:hiddenLine xmlns="" xmlns:a14="http://schemas.microsoft.com/office/drawing/2010/main" w="9525">
                   <a:solidFill>
                     <a:srgbClr val="000000"/>
                   </a:solidFill>
@@ -4396,7 +4396,7 @@
             </a:ln>
             <a:extLst>
               <a:ext uri="{91240B29-F687-4f45-9708-019B960494DF}">
-                <a14:hiddenLine xmlns:a14="http://schemas.microsoft.com/office/drawing/2010/main" xmlns="" w="9525">
+                <a14:hiddenLine xmlns="" xmlns:a14="http://schemas.microsoft.com/office/drawing/2010/main" w="9525">
                   <a:solidFill>
                     <a:srgbClr val="000000"/>
                   </a:solidFill>
@@ -4458,7 +4458,7 @@
             </a:ln>
             <a:extLst>
               <a:ext uri="{91240B29-F687-4f45-9708-019B960494DF}">
-                <a14:hiddenLine xmlns:a14="http://schemas.microsoft.com/office/drawing/2010/main" xmlns="" w="9525">
+                <a14:hiddenLine xmlns="" xmlns:a14="http://schemas.microsoft.com/office/drawing/2010/main" w="9525">
                   <a:solidFill>
                     <a:srgbClr val="000000"/>
                   </a:solidFill>
@@ -4578,7 +4578,7 @@
             </a:ln>
             <a:extLst>
               <a:ext uri="{91240B29-F687-4f45-9708-019B960494DF}">
-                <a14:hiddenLine xmlns:a14="http://schemas.microsoft.com/office/drawing/2010/main" xmlns="" w="9525">
+                <a14:hiddenLine xmlns="" xmlns:a14="http://schemas.microsoft.com/office/drawing/2010/main" w="9525">
                   <a:solidFill>
                     <a:srgbClr val="000000"/>
                   </a:solidFill>
@@ -4646,7 +4646,7 @@
             </a:ln>
             <a:extLst>
               <a:ext uri="{91240B29-F687-4f45-9708-019B960494DF}">
-                <a14:hiddenLine xmlns:a14="http://schemas.microsoft.com/office/drawing/2010/main" xmlns="" w="9525">
+                <a14:hiddenLine xmlns="" xmlns:a14="http://schemas.microsoft.com/office/drawing/2010/main" w="9525">
                   <a:solidFill>
                     <a:srgbClr val="000000"/>
                   </a:solidFill>
@@ -4736,7 +4736,7 @@
             </a:ln>
             <a:extLst>
               <a:ext uri="{91240B29-F687-4f45-9708-019B960494DF}">
-                <a14:hiddenLine xmlns:a14="http://schemas.microsoft.com/office/drawing/2010/main" xmlns="" w="9525">
+                <a14:hiddenLine xmlns="" xmlns:a14="http://schemas.microsoft.com/office/drawing/2010/main" w="9525">
                   <a:solidFill>
                     <a:srgbClr val="000000"/>
                   </a:solidFill>
@@ -4876,7 +4876,7 @@
           <a:p>
             <a:fld id="{1D8BD707-D9CF-40AE-B4C6-C98DA3205C09}" type="datetimeFigureOut">
               <a:rPr lang="en-US" smtClean="0"/>
-              <a:t>9/6/2024</a:t>
+              <a:t>9/10/2024</a:t>
             </a:fld>
             <a:endParaRPr lang="en-US"/>
           </a:p>
@@ -5151,7 +5151,7 @@
           <a:p>
             <a:fld id="{1D8BD707-D9CF-40AE-B4C6-C98DA3205C09}" type="datetimeFigureOut">
               <a:rPr lang="en-US" smtClean="0"/>
-              <a:t>9/6/2024</a:t>
+              <a:t>9/10/2024</a:t>
             </a:fld>
             <a:endParaRPr lang="en-US"/>
           </a:p>
@@ -5355,7 +5355,7 @@
           <a:p>
             <a:fld id="{1D8BD707-D9CF-40AE-B4C6-C98DA3205C09}" type="datetimeFigureOut">
               <a:rPr lang="en-US" smtClean="0"/>
-              <a:t>9/6/2024</a:t>
+              <a:t>9/10/2024</a:t>
             </a:fld>
             <a:endParaRPr lang="en-US"/>
           </a:p>
@@ -5626,7 +5626,7 @@
           <a:p>
             <a:fld id="{1D8BD707-D9CF-40AE-B4C6-C98DA3205C09}" type="datetimeFigureOut">
               <a:rPr lang="en-US" smtClean="0"/>
-              <a:t>9/6/2024</a:t>
+              <a:t>9/10/2024</a:t>
             </a:fld>
             <a:endParaRPr lang="en-US"/>
           </a:p>
@@ -6068,7 +6068,7 @@
           <a:p>
             <a:fld id="{1D8BD707-D9CF-40AE-B4C6-C98DA3205C09}" type="datetimeFigureOut">
               <a:rPr lang="en-US" smtClean="0"/>
-              <a:t>9/6/2024</a:t>
+              <a:t>9/10/2024</a:t>
             </a:fld>
             <a:endParaRPr lang="en-US"/>
           </a:p>
@@ -6622,7 +6622,7 @@
           <a:p>
             <a:fld id="{1D8BD707-D9CF-40AE-B4C6-C98DA3205C09}" type="datetimeFigureOut">
               <a:rPr lang="en-US" smtClean="0"/>
-              <a:t>9/6/2024</a:t>
+              <a:t>9/10/2024</a:t>
             </a:fld>
             <a:endParaRPr lang="en-US"/>
           </a:p>
@@ -7350,7 +7350,7 @@
           <a:p>
             <a:fld id="{1D8BD707-D9CF-40AE-B4C6-C98DA3205C09}" type="datetimeFigureOut">
               <a:rPr lang="en-US" smtClean="0"/>
-              <a:t>9/6/2024</a:t>
+              <a:t>9/10/2024</a:t>
             </a:fld>
             <a:endParaRPr lang="en-US"/>
           </a:p>
@@ -7528,7 +7528,7 @@
           <a:p>
             <a:fld id="{1D8BD707-D9CF-40AE-B4C6-C98DA3205C09}" type="datetimeFigureOut">
               <a:rPr lang="en-US" smtClean="0"/>
-              <a:t>9/6/2024</a:t>
+              <a:t>9/10/2024</a:t>
             </a:fld>
             <a:endParaRPr lang="en-US"/>
           </a:p>
@@ -7716,7 +7716,7 @@
           <a:p>
             <a:fld id="{1D8BD707-D9CF-40AE-B4C6-C98DA3205C09}" type="datetimeFigureOut">
               <a:rPr lang="en-US" smtClean="0"/>
-              <a:t>9/6/2024</a:t>
+              <a:t>9/10/2024</a:t>
             </a:fld>
             <a:endParaRPr lang="en-US"/>
           </a:p>
@@ -7894,7 +7894,7 @@
           <a:p>
             <a:fld id="{1D8BD707-D9CF-40AE-B4C6-C98DA3205C09}" type="datetimeFigureOut">
               <a:rPr lang="en-US" smtClean="0"/>
-              <a:t>9/6/2024</a:t>
+              <a:t>9/10/2024</a:t>
             </a:fld>
             <a:endParaRPr lang="en-US"/>
           </a:p>
@@ -8152,7 +8152,7 @@
           <a:p>
             <a:fld id="{1D8BD707-D9CF-40AE-B4C6-C98DA3205C09}" type="datetimeFigureOut">
               <a:rPr lang="en-US" smtClean="0"/>
-              <a:t>9/6/2024</a:t>
+              <a:t>9/10/2024</a:t>
             </a:fld>
             <a:endParaRPr lang="en-US"/>
           </a:p>
@@ -8392,7 +8392,7 @@
           <a:p>
             <a:fld id="{1D8BD707-D9CF-40AE-B4C6-C98DA3205C09}" type="datetimeFigureOut">
               <a:rPr lang="en-US" smtClean="0"/>
-              <a:t>9/6/2024</a:t>
+              <a:t>9/10/2024</a:t>
             </a:fld>
             <a:endParaRPr lang="en-US"/>
           </a:p>
@@ -8781,7 +8781,7 @@
           <a:p>
             <a:fld id="{1D8BD707-D9CF-40AE-B4C6-C98DA3205C09}" type="datetimeFigureOut">
               <a:rPr lang="en-US" smtClean="0"/>
-              <a:t>9/6/2024</a:t>
+              <a:t>9/10/2024</a:t>
             </a:fld>
             <a:endParaRPr lang="en-US"/>
           </a:p>
@@ -8907,7 +8907,7 @@
           <a:p>
             <a:fld id="{1D8BD707-D9CF-40AE-B4C6-C98DA3205C09}" type="datetimeFigureOut">
               <a:rPr lang="en-US" smtClean="0"/>
-              <a:t>9/6/2024</a:t>
+              <a:t>9/10/2024</a:t>
             </a:fld>
             <a:endParaRPr lang="en-US"/>
           </a:p>
@@ -9010,7 +9010,7 @@
           <a:p>
             <a:fld id="{1D8BD707-D9CF-40AE-B4C6-C98DA3205C09}" type="datetimeFigureOut">
               <a:rPr lang="en-US" smtClean="0"/>
-              <a:t>9/6/2024</a:t>
+              <a:t>9/10/2024</a:t>
             </a:fld>
             <a:endParaRPr lang="en-US"/>
           </a:p>
@@ -9267,7 +9267,7 @@
           <a:p>
             <a:fld id="{1D8BD707-D9CF-40AE-B4C6-C98DA3205C09}" type="datetimeFigureOut">
               <a:rPr lang="en-US" smtClean="0"/>
-              <a:t>9/6/2024</a:t>
+              <a:t>9/10/2024</a:t>
             </a:fld>
             <a:endParaRPr lang="en-US"/>
           </a:p>
@@ -9555,7 +9555,7 @@
           <a:p>
             <a:fld id="{1D8BD707-D9CF-40AE-B4C6-C98DA3205C09}" type="datetimeFigureOut">
               <a:rPr lang="en-US" smtClean="0"/>
-              <a:t>9/6/2024</a:t>
+              <a:t>9/10/2024</a:t>
             </a:fld>
             <a:endParaRPr lang="en-US"/>
           </a:p>
@@ -9679,7 +9679,7 @@
           <a:noFill/>
           <a:extLst>
             <a:ext uri="{909E8E84-426E-40dd-AFC4-6F175D3DCCD1}">
-              <a14:hiddenFill xmlns:a14="http://schemas.microsoft.com/office/drawing/2010/main" xmlns="">
+              <a14:hiddenFill xmlns="" xmlns:a14="http://schemas.microsoft.com/office/drawing/2010/main">
                 <a:solidFill>
                   <a:srgbClr val="FFFFFF"/>
                 </a:solidFill>
@@ -9753,7 +9753,7 @@
               </a:ln>
               <a:extLst>
                 <a:ext uri="{91240B29-F687-4f45-9708-019B960494DF}">
-                  <a14:hiddenLine xmlns:a14="http://schemas.microsoft.com/office/drawing/2010/main" xmlns="" w="9525">
+                  <a14:hiddenLine xmlns="" xmlns:a14="http://schemas.microsoft.com/office/drawing/2010/main" w="9525">
                     <a:solidFill>
                       <a:srgbClr val="000000"/>
                     </a:solidFill>
@@ -9843,7 +9843,7 @@
               </a:ln>
               <a:extLst>
                 <a:ext uri="{91240B29-F687-4f45-9708-019B960494DF}">
-                  <a14:hiddenLine xmlns:a14="http://schemas.microsoft.com/office/drawing/2010/main" xmlns="" w="9525">
+                  <a14:hiddenLine xmlns="" xmlns:a14="http://schemas.microsoft.com/office/drawing/2010/main" w="9525">
                     <a:solidFill>
                       <a:srgbClr val="000000"/>
                     </a:solidFill>
@@ -9933,7 +9933,7 @@
               </a:ln>
               <a:extLst>
                 <a:ext uri="{91240B29-F687-4f45-9708-019B960494DF}">
-                  <a14:hiddenLine xmlns:a14="http://schemas.microsoft.com/office/drawing/2010/main" xmlns="" w="9525">
+                  <a14:hiddenLine xmlns="" xmlns:a14="http://schemas.microsoft.com/office/drawing/2010/main" w="9525">
                     <a:solidFill>
                       <a:srgbClr val="000000"/>
                     </a:solidFill>
@@ -9995,7 +9995,7 @@
               </a:ln>
               <a:extLst>
                 <a:ext uri="{91240B29-F687-4f45-9708-019B960494DF}">
-                  <a14:hiddenLine xmlns:a14="http://schemas.microsoft.com/office/drawing/2010/main" xmlns="" w="9525">
+                  <a14:hiddenLine xmlns="" xmlns:a14="http://schemas.microsoft.com/office/drawing/2010/main" w="9525">
                     <a:solidFill>
                       <a:srgbClr val="000000"/>
                     </a:solidFill>
@@ -10085,7 +10085,7 @@
               </a:ln>
               <a:extLst>
                 <a:ext uri="{91240B29-F687-4f45-9708-019B960494DF}">
-                  <a14:hiddenLine xmlns:a14="http://schemas.microsoft.com/office/drawing/2010/main" xmlns="" w="9525">
+                  <a14:hiddenLine xmlns="" xmlns:a14="http://schemas.microsoft.com/office/drawing/2010/main" w="9525">
                     <a:solidFill>
                       <a:srgbClr val="000000"/>
                     </a:solidFill>
@@ -10147,7 +10147,7 @@
               </a:ln>
               <a:extLst>
                 <a:ext uri="{91240B29-F687-4f45-9708-019B960494DF}">
-                  <a14:hiddenLine xmlns:a14="http://schemas.microsoft.com/office/drawing/2010/main" xmlns="" w="9525">
+                  <a14:hiddenLine xmlns="" xmlns:a14="http://schemas.microsoft.com/office/drawing/2010/main" w="9525">
                     <a:solidFill>
                       <a:srgbClr val="000000"/>
                     </a:solidFill>
@@ -10209,7 +10209,7 @@
               </a:ln>
               <a:extLst>
                 <a:ext uri="{91240B29-F687-4f45-9708-019B960494DF}">
-                  <a14:hiddenLine xmlns:a14="http://schemas.microsoft.com/office/drawing/2010/main" xmlns="" w="9525">
+                  <a14:hiddenLine xmlns="" xmlns:a14="http://schemas.microsoft.com/office/drawing/2010/main" w="9525">
                     <a:solidFill>
                       <a:srgbClr val="000000"/>
                     </a:solidFill>
@@ -10299,7 +10299,7 @@
               </a:ln>
               <a:extLst>
                 <a:ext uri="{91240B29-F687-4f45-9708-019B960494DF}">
-                  <a14:hiddenLine xmlns:a14="http://schemas.microsoft.com/office/drawing/2010/main" xmlns="" w="9525">
+                  <a14:hiddenLine xmlns="" xmlns:a14="http://schemas.microsoft.com/office/drawing/2010/main" w="9525">
                     <a:solidFill>
                       <a:srgbClr val="000000"/>
                     </a:solidFill>
@@ -10389,7 +10389,7 @@
               </a:ln>
               <a:extLst>
                 <a:ext uri="{91240B29-F687-4f45-9708-019B960494DF}">
-                  <a14:hiddenLine xmlns:a14="http://schemas.microsoft.com/office/drawing/2010/main" xmlns="" w="9525">
+                  <a14:hiddenLine xmlns="" xmlns:a14="http://schemas.microsoft.com/office/drawing/2010/main" w="9525">
                     <a:solidFill>
                       <a:srgbClr val="000000"/>
                     </a:solidFill>
@@ -10451,7 +10451,7 @@
               </a:ln>
               <a:extLst>
                 <a:ext uri="{91240B29-F687-4f45-9708-019B960494DF}">
-                  <a14:hiddenLine xmlns:a14="http://schemas.microsoft.com/office/drawing/2010/main" xmlns="" w="9525">
+                  <a14:hiddenLine xmlns="" xmlns:a14="http://schemas.microsoft.com/office/drawing/2010/main" w="9525">
                     <a:solidFill>
                       <a:srgbClr val="000000"/>
                     </a:solidFill>
@@ -10561,7 +10561,7 @@
               </a:ln>
               <a:extLst>
                 <a:ext uri="{91240B29-F687-4f45-9708-019B960494DF}">
-                  <a14:hiddenLine xmlns:a14="http://schemas.microsoft.com/office/drawing/2010/main" xmlns="" w="9525">
+                  <a14:hiddenLine xmlns="" xmlns:a14="http://schemas.microsoft.com/office/drawing/2010/main" w="9525">
                     <a:solidFill>
                       <a:srgbClr val="000000"/>
                     </a:solidFill>
@@ -10645,7 +10645,7 @@
               </a:ln>
               <a:extLst>
                 <a:ext uri="{91240B29-F687-4f45-9708-019B960494DF}">
-                  <a14:hiddenLine xmlns:a14="http://schemas.microsoft.com/office/drawing/2010/main" xmlns="" w="9525">
+                  <a14:hiddenLine xmlns="" xmlns:a14="http://schemas.microsoft.com/office/drawing/2010/main" w="9525">
                     <a:solidFill>
                       <a:srgbClr val="000000"/>
                     </a:solidFill>
@@ -10707,7 +10707,7 @@
               </a:ln>
               <a:extLst>
                 <a:ext uri="{91240B29-F687-4f45-9708-019B960494DF}">
-                  <a14:hiddenLine xmlns:a14="http://schemas.microsoft.com/office/drawing/2010/main" xmlns="" w="9525">
+                  <a14:hiddenLine xmlns="" xmlns:a14="http://schemas.microsoft.com/office/drawing/2010/main" w="9525">
                     <a:solidFill>
                       <a:srgbClr val="000000"/>
                     </a:solidFill>
@@ -10769,7 +10769,7 @@
               </a:ln>
               <a:extLst>
                 <a:ext uri="{91240B29-F687-4f45-9708-019B960494DF}">
-                  <a14:hiddenLine xmlns:a14="http://schemas.microsoft.com/office/drawing/2010/main" xmlns="" w="9525">
+                  <a14:hiddenLine xmlns="" xmlns:a14="http://schemas.microsoft.com/office/drawing/2010/main" w="9525">
                     <a:solidFill>
                       <a:srgbClr val="000000"/>
                     </a:solidFill>
@@ -10859,7 +10859,7 @@
               </a:ln>
               <a:extLst>
                 <a:ext uri="{91240B29-F687-4f45-9708-019B960494DF}">
-                  <a14:hiddenLine xmlns:a14="http://schemas.microsoft.com/office/drawing/2010/main" xmlns="" w="9525">
+                  <a14:hiddenLine xmlns="" xmlns:a14="http://schemas.microsoft.com/office/drawing/2010/main" w="9525">
                     <a:solidFill>
                       <a:srgbClr val="000000"/>
                     </a:solidFill>
@@ -10893,7 +10893,7 @@
               </a:ln>
               <a:extLst>
                 <a:ext uri="{91240B29-F687-4f45-9708-019B960494DF}">
-                  <a14:hiddenLine xmlns:a14="http://schemas.microsoft.com/office/drawing/2010/main" xmlns="" w="9525">
+                  <a14:hiddenLine xmlns="" xmlns:a14="http://schemas.microsoft.com/office/drawing/2010/main" w="9525">
                     <a:solidFill>
                       <a:srgbClr val="000000"/>
                     </a:solidFill>
@@ -10958,7 +10958,7 @@
               </a:ln>
               <a:extLst>
                 <a:ext uri="{91240B29-F687-4f45-9708-019B960494DF}">
-                  <a14:hiddenLine xmlns:a14="http://schemas.microsoft.com/office/drawing/2010/main" xmlns="" w="9525">
+                  <a14:hiddenLine xmlns="" xmlns:a14="http://schemas.microsoft.com/office/drawing/2010/main" w="9525">
                     <a:solidFill>
                       <a:srgbClr val="000000"/>
                     </a:solidFill>
@@ -11048,7 +11048,7 @@
               </a:ln>
               <a:extLst>
                 <a:ext uri="{91240B29-F687-4f45-9708-019B960494DF}">
-                  <a14:hiddenLine xmlns:a14="http://schemas.microsoft.com/office/drawing/2010/main" xmlns="" w="9525">
+                  <a14:hiddenLine xmlns="" xmlns:a14="http://schemas.microsoft.com/office/drawing/2010/main" w="9525">
                     <a:solidFill>
                       <a:srgbClr val="000000"/>
                     </a:solidFill>
@@ -11110,7 +11110,7 @@
               </a:ln>
               <a:extLst>
                 <a:ext uri="{91240B29-F687-4f45-9708-019B960494DF}">
-                  <a14:hiddenLine xmlns:a14="http://schemas.microsoft.com/office/drawing/2010/main" xmlns="" w="9525">
+                  <a14:hiddenLine xmlns="" xmlns:a14="http://schemas.microsoft.com/office/drawing/2010/main" w="9525">
                     <a:solidFill>
                       <a:srgbClr val="000000"/>
                     </a:solidFill>
@@ -11200,7 +11200,7 @@
               </a:ln>
               <a:extLst>
                 <a:ext uri="{91240B29-F687-4f45-9708-019B960494DF}">
-                  <a14:hiddenLine xmlns:a14="http://schemas.microsoft.com/office/drawing/2010/main" xmlns="" w="9525">
+                  <a14:hiddenLine xmlns="" xmlns:a14="http://schemas.microsoft.com/office/drawing/2010/main" w="9525">
                     <a:solidFill>
                       <a:srgbClr val="000000"/>
                     </a:solidFill>
@@ -11265,7 +11265,7 @@
               </a:ln>
               <a:extLst>
                 <a:ext uri="{91240B29-F687-4f45-9708-019B960494DF}">
-                  <a14:hiddenLine xmlns:a14="http://schemas.microsoft.com/office/drawing/2010/main" xmlns="" w="9525">
+                  <a14:hiddenLine xmlns="" xmlns:a14="http://schemas.microsoft.com/office/drawing/2010/main" w="9525">
                     <a:solidFill>
                       <a:srgbClr val="000000"/>
                     </a:solidFill>
@@ -11327,7 +11327,7 @@
               </a:ln>
               <a:extLst>
                 <a:ext uri="{91240B29-F687-4f45-9708-019B960494DF}">
-                  <a14:hiddenLine xmlns:a14="http://schemas.microsoft.com/office/drawing/2010/main" xmlns="" w="9525">
+                  <a14:hiddenLine xmlns="" xmlns:a14="http://schemas.microsoft.com/office/drawing/2010/main" w="9525">
                     <a:solidFill>
                       <a:srgbClr val="000000"/>
                     </a:solidFill>
@@ -11417,7 +11417,7 @@
               </a:ln>
               <a:extLst>
                 <a:ext uri="{91240B29-F687-4f45-9708-019B960494DF}">
-                  <a14:hiddenLine xmlns:a14="http://schemas.microsoft.com/office/drawing/2010/main" xmlns="" w="9525">
+                  <a14:hiddenLine xmlns="" xmlns:a14="http://schemas.microsoft.com/office/drawing/2010/main" w="9525">
                     <a:solidFill>
                       <a:srgbClr val="000000"/>
                     </a:solidFill>
@@ -11507,7 +11507,7 @@
               </a:ln>
               <a:extLst>
                 <a:ext uri="{91240B29-F687-4f45-9708-019B960494DF}">
-                  <a14:hiddenLine xmlns:a14="http://schemas.microsoft.com/office/drawing/2010/main" xmlns="" w="9525">
+                  <a14:hiddenLine xmlns="" xmlns:a14="http://schemas.microsoft.com/office/drawing/2010/main" w="9525">
                     <a:solidFill>
                       <a:srgbClr val="000000"/>
                     </a:solidFill>
@@ -11572,7 +11572,7 @@
               </a:ln>
               <a:extLst>
                 <a:ext uri="{91240B29-F687-4f45-9708-019B960494DF}">
-                  <a14:hiddenLine xmlns:a14="http://schemas.microsoft.com/office/drawing/2010/main" xmlns="" w="9525">
+                  <a14:hiddenLine xmlns="" xmlns:a14="http://schemas.microsoft.com/office/drawing/2010/main" w="9525">
                     <a:solidFill>
                       <a:srgbClr val="000000"/>
                     </a:solidFill>
@@ -11692,7 +11692,7 @@
               </a:ln>
               <a:extLst>
                 <a:ext uri="{91240B29-F687-4f45-9708-019B960494DF}">
-                  <a14:hiddenLine xmlns:a14="http://schemas.microsoft.com/office/drawing/2010/main" xmlns="" w="9525">
+                  <a14:hiddenLine xmlns="" xmlns:a14="http://schemas.microsoft.com/office/drawing/2010/main" w="9525">
                     <a:solidFill>
                       <a:srgbClr val="000000"/>
                     </a:solidFill>
@@ -11790,7 +11790,7 @@
               </a:ln>
               <a:extLst>
                 <a:ext uri="{91240B29-F687-4f45-9708-019B960494DF}">
-                  <a14:hiddenLine xmlns:a14="http://schemas.microsoft.com/office/drawing/2010/main" xmlns="" w="9525">
+                  <a14:hiddenLine xmlns="" xmlns:a14="http://schemas.microsoft.com/office/drawing/2010/main" w="9525">
                     <a:solidFill>
                       <a:srgbClr val="000000"/>
                     </a:solidFill>
@@ -11905,7 +11905,7 @@
               </a:ln>
               <a:extLst>
                 <a:ext uri="{91240B29-F687-4f45-9708-019B960494DF}">
-                  <a14:hiddenLine xmlns:a14="http://schemas.microsoft.com/office/drawing/2010/main" xmlns="" w="9525">
+                  <a14:hiddenLine xmlns="" xmlns:a14="http://schemas.microsoft.com/office/drawing/2010/main" w="9525">
                     <a:solidFill>
                       <a:srgbClr val="000000"/>
                     </a:solidFill>
@@ -11995,7 +11995,7 @@
               </a:ln>
               <a:extLst>
                 <a:ext uri="{91240B29-F687-4f45-9708-019B960494DF}">
-                  <a14:hiddenLine xmlns:a14="http://schemas.microsoft.com/office/drawing/2010/main" xmlns="" w="9525">
+                  <a14:hiddenLine xmlns="" xmlns:a14="http://schemas.microsoft.com/office/drawing/2010/main" w="9525">
                     <a:solidFill>
                       <a:srgbClr val="000000"/>
                     </a:solidFill>
@@ -12060,7 +12060,7 @@
               </a:ln>
               <a:extLst>
                 <a:ext uri="{91240B29-F687-4f45-9708-019B960494DF}">
-                  <a14:hiddenLine xmlns:a14="http://schemas.microsoft.com/office/drawing/2010/main" xmlns="" w="9525">
+                  <a14:hiddenLine xmlns="" xmlns:a14="http://schemas.microsoft.com/office/drawing/2010/main" w="9525">
                     <a:solidFill>
                       <a:srgbClr val="000000"/>
                     </a:solidFill>
@@ -12150,7 +12150,7 @@
               </a:ln>
               <a:extLst>
                 <a:ext uri="{91240B29-F687-4f45-9708-019B960494DF}">
-                  <a14:hiddenLine xmlns:a14="http://schemas.microsoft.com/office/drawing/2010/main" xmlns="" w="9525">
+                  <a14:hiddenLine xmlns="" xmlns:a14="http://schemas.microsoft.com/office/drawing/2010/main" w="9525">
                     <a:solidFill>
                       <a:srgbClr val="000000"/>
                     </a:solidFill>
@@ -12218,7 +12218,7 @@
               </a:ln>
               <a:extLst>
                 <a:ext uri="{91240B29-F687-4f45-9708-019B960494DF}">
-                  <a14:hiddenLine xmlns:a14="http://schemas.microsoft.com/office/drawing/2010/main" xmlns="" w="9525">
+                  <a14:hiddenLine xmlns="" xmlns:a14="http://schemas.microsoft.com/office/drawing/2010/main" w="9525">
                     <a:solidFill>
                       <a:srgbClr val="000000"/>
                     </a:solidFill>
@@ -12308,7 +12308,7 @@
               </a:ln>
               <a:extLst>
                 <a:ext uri="{91240B29-F687-4f45-9708-019B960494DF}">
-                  <a14:hiddenLine xmlns:a14="http://schemas.microsoft.com/office/drawing/2010/main" xmlns="" w="9525">
+                  <a14:hiddenLine xmlns="" xmlns:a14="http://schemas.microsoft.com/office/drawing/2010/main" w="9525">
                     <a:solidFill>
                       <a:srgbClr val="000000"/>
                     </a:solidFill>
@@ -12376,7 +12376,7 @@
               </a:ln>
               <a:extLst>
                 <a:ext uri="{91240B29-F687-4f45-9708-019B960494DF}">
-                  <a14:hiddenLine xmlns:a14="http://schemas.microsoft.com/office/drawing/2010/main" xmlns="" w="9525">
+                  <a14:hiddenLine xmlns="" xmlns:a14="http://schemas.microsoft.com/office/drawing/2010/main" w="9525">
                     <a:solidFill>
                       <a:srgbClr val="000000"/>
                     </a:solidFill>
@@ -12466,7 +12466,7 @@
               </a:ln>
               <a:extLst>
                 <a:ext uri="{91240B29-F687-4f45-9708-019B960494DF}">
-                  <a14:hiddenLine xmlns:a14="http://schemas.microsoft.com/office/drawing/2010/main" xmlns="" w="9525">
+                  <a14:hiddenLine xmlns="" xmlns:a14="http://schemas.microsoft.com/office/drawing/2010/main" w="9525">
                     <a:solidFill>
                       <a:srgbClr val="000000"/>
                     </a:solidFill>
@@ -12500,7 +12500,7 @@
               </a:ln>
               <a:extLst>
                 <a:ext uri="{91240B29-F687-4f45-9708-019B960494DF}">
-                  <a14:hiddenLine xmlns:a14="http://schemas.microsoft.com/office/drawing/2010/main" xmlns="" w="9525">
+                  <a14:hiddenLine xmlns="" xmlns:a14="http://schemas.microsoft.com/office/drawing/2010/main" w="9525">
                     <a:solidFill>
                       <a:srgbClr val="000000"/>
                     </a:solidFill>
@@ -12640,7 +12640,7 @@
           <a:p>
             <a:fld id="{1D8BD707-D9CF-40AE-B4C6-C98DA3205C09}" type="datetimeFigureOut">
               <a:rPr lang="en-US" smtClean="0"/>
-              <a:t>9/6/2024</a:t>
+              <a:t>9/10/2024</a:t>
             </a:fld>
             <a:endParaRPr lang="en-US"/>
           </a:p>
@@ -13396,7 +13396,7 @@
         <p:spPr>
           <a:xfrm>
             <a:off x="2526833" y="2843537"/>
-            <a:ext cx="8610600" cy="2369880"/>
+            <a:ext cx="8610600" cy="2739211"/>
           </a:xfrm>
           <a:prstGeom prst="rect">
             <a:avLst/>
@@ -13438,7 +13438,13 @@
               <a:rPr lang="en-IN" sz="2800" dirty="0" smtClean="0"/>
               <a:t>asunm110312201146</a:t>
             </a:r>
-            <a:endParaRPr lang="en-US" sz="2800" dirty="0"/>
+          </a:p>
+          <a:p>
+            <a:r>
+              <a:rPr lang="en-US" sz="2400" dirty="0"/>
+              <a:t>NAAN MUDHALVAN ID:971586786B54D51952346AD86C396443</a:t>
+            </a:r>
+            <a:endParaRPr lang="en-US" sz="2400" dirty="0"/>
           </a:p>
           <a:p>
             <a:r>
